--- a/Documents/FINAL Presentation.pptx
+++ b/Documents/FINAL Presentation.pptx
@@ -17,7 +17,7 @@
     <p:sldId id="259" r:id="rId8"/>
     <p:sldId id="267" r:id="rId9"/>
     <p:sldId id="270" r:id="rId10"/>
-    <p:sldId id="271" r:id="rId11"/>
+    <p:sldId id="272" r:id="rId11"/>
   </p:sldIdLst>
   <p:sldSz cx="12192000" cy="6858000"/>
   <p:notesSz cx="6858000" cy="9144000"/>
@@ -118,10 +118,21 @@
   </p:defaultTextStyle>
   <p:extLst>
     <p:ext uri="{EFAFB233-063F-42B5-8137-9DF3F51BA10A}">
-      <p15:sldGuideLst xmlns="" xmlns:p15="http://schemas.microsoft.com/office/powerpoint/2012/main"/>
+      <p15:sldGuideLst xmlns:p15="http://schemas.microsoft.com/office/powerpoint/2012/main">
+        <p15:guide id="1" orient="horz" pos="2160">
+          <p15:clr>
+            <a:srgbClr val="A4A3A4"/>
+          </p15:clr>
+        </p15:guide>
+        <p15:guide id="2" pos="3840">
+          <p15:clr>
+            <a:srgbClr val="A4A3A4"/>
+          </p15:clr>
+        </p15:guide>
+      </p15:sldGuideLst>
     </p:ext>
     <p:ext uri="{2D200454-40CA-4A62-9FC3-DE9A4176ACB9}">
-      <p15:notesGuideLst xmlns="" xmlns:p15="http://schemas.microsoft.com/office/powerpoint/2012/main"/>
+      <p15:notesGuideLst xmlns:p15="http://schemas.microsoft.com/office/powerpoint/2012/main"/>
     </p:ext>
   </p:extLst>
 </p:presentation>
@@ -154,7 +165,7 @@
           <p:cNvPr id="2" name="Header Placeholder 1">
             <a:extLst>
               <a:ext uri="{FF2B5EF4-FFF2-40B4-BE49-F238E27FC236}">
-                <a16:creationId xmlns="" xmlns:a16="http://schemas.microsoft.com/office/drawing/2014/main" id="{1AD81DDF-98D4-498E-A94D-DDD7A807AD43}"/>
+                <a16:creationId xmlns:a16="http://schemas.microsoft.com/office/drawing/2014/main" id="{1AD81DDF-98D4-498E-A94D-DDD7A807AD43}"/>
               </a:ext>
             </a:extLst>
           </p:cNvPr>
@@ -191,7 +202,7 @@
           <p:cNvPr id="3" name="Date Placeholder 2">
             <a:extLst>
               <a:ext uri="{FF2B5EF4-FFF2-40B4-BE49-F238E27FC236}">
-                <a16:creationId xmlns="" xmlns:a16="http://schemas.microsoft.com/office/drawing/2014/main" id="{6391BFCE-55A1-4C09-B4B5-9359AD6F4DF3}"/>
+                <a16:creationId xmlns:a16="http://schemas.microsoft.com/office/drawing/2014/main" id="{6391BFCE-55A1-4C09-B4B5-9359AD6F4DF3}"/>
               </a:ext>
             </a:extLst>
           </p:cNvPr>
@@ -233,7 +244,7 @@
           <p:cNvPr id="4" name="Footer Placeholder 3">
             <a:extLst>
               <a:ext uri="{FF2B5EF4-FFF2-40B4-BE49-F238E27FC236}">
-                <a16:creationId xmlns="" xmlns:a16="http://schemas.microsoft.com/office/drawing/2014/main" id="{4BEEB1F3-97EE-4F0D-B402-E34820EC6842}"/>
+                <a16:creationId xmlns:a16="http://schemas.microsoft.com/office/drawing/2014/main" id="{4BEEB1F3-97EE-4F0D-B402-E34820EC6842}"/>
               </a:ext>
             </a:extLst>
           </p:cNvPr>
@@ -270,7 +281,7 @@
           <p:cNvPr id="5" name="Slide Number Placeholder 4">
             <a:extLst>
               <a:ext uri="{FF2B5EF4-FFF2-40B4-BE49-F238E27FC236}">
-                <a16:creationId xmlns="" xmlns:a16="http://schemas.microsoft.com/office/drawing/2014/main" id="{A054877F-A04A-4D6A-A0A8-95CC6E2D2A37}"/>
+                <a16:creationId xmlns:a16="http://schemas.microsoft.com/office/drawing/2014/main" id="{A054877F-A04A-4D6A-A0A8-95CC6E2D2A37}"/>
               </a:ext>
             </a:extLst>
           </p:cNvPr>
@@ -310,7 +321,7 @@
     </p:spTree>
     <p:extLst>
       <p:ext uri="{BB962C8B-B14F-4D97-AF65-F5344CB8AC3E}">
-        <p14:creationId xmlns="" xmlns:p14="http://schemas.microsoft.com/office/powerpoint/2010/main" val="1955250779"/>
+        <p14:creationId xmlns:p14="http://schemas.microsoft.com/office/powerpoint/2010/main" val="1955250779"/>
       </p:ext>
     </p:extLst>
   </p:cSld>
@@ -569,7 +580,7 @@
     </p:spTree>
     <p:extLst>
       <p:ext uri="{BB962C8B-B14F-4D97-AF65-F5344CB8AC3E}">
-        <p14:creationId xmlns="" xmlns:p14="http://schemas.microsoft.com/office/powerpoint/2010/main" val="2285305345"/>
+        <p14:creationId xmlns:p14="http://schemas.microsoft.com/office/powerpoint/2010/main" val="2285305345"/>
       </p:ext>
     </p:extLst>
   </p:cSld>
@@ -879,7 +890,7 @@
     </p:spTree>
     <p:extLst>
       <p:ext uri="{BB962C8B-B14F-4D97-AF65-F5344CB8AC3E}">
-        <p14:creationId xmlns="" xmlns:p14="http://schemas.microsoft.com/office/powerpoint/2010/main" val="956400441"/>
+        <p14:creationId xmlns:p14="http://schemas.microsoft.com/office/powerpoint/2010/main" val="956400441"/>
       </p:ext>
     </p:extLst>
   </p:cSld>
@@ -900,7 +911,7 @@
             <a:lum/>
             <a:extLst>
               <a:ext uri="{28A0092B-C50C-407E-A947-70E740481C1C}">
-                <a14:useLocalDpi xmlns="" xmlns:a14="http://schemas.microsoft.com/office/drawing/2010/main"/>
+                <a14:useLocalDpi xmlns:a14="http://schemas.microsoft.com/office/drawing/2010/main"/>
               </a:ext>
             </a:extLst>
           </a:blip>
@@ -1098,7 +1109,7 @@
           <p:cNvPr id="9" name="Straight Connector 8">
             <a:extLst>
               <a:ext uri="{FF2B5EF4-FFF2-40B4-BE49-F238E27FC236}">
-                <a16:creationId xmlns="" xmlns:a16="http://schemas.microsoft.com/office/drawing/2014/main" id="{6CC09F73-0AD6-4A1E-A331-75A00B808982}"/>
+                <a16:creationId xmlns:a16="http://schemas.microsoft.com/office/drawing/2014/main" id="{6CC09F73-0AD6-4A1E-A331-75A00B808982}"/>
               </a:ext>
             </a:extLst>
           </p:cNvPr>
@@ -1135,7 +1146,7 @@
           <p:cNvPr id="8" name="Content Placeholder 2">
             <a:extLst>
               <a:ext uri="{FF2B5EF4-FFF2-40B4-BE49-F238E27FC236}">
-                <a16:creationId xmlns="" xmlns:a16="http://schemas.microsoft.com/office/drawing/2014/main" id="{9DE9A20D-024F-4A17-9B20-526AA4037253}"/>
+                <a16:creationId xmlns:a16="http://schemas.microsoft.com/office/drawing/2014/main" id="{9DE9A20D-024F-4A17-9B20-526AA4037253}"/>
               </a:ext>
             </a:extLst>
           </p:cNvPr>
@@ -1197,7 +1208,7 @@
           <p:cNvPr id="10" name="Content Placeholder 2">
             <a:extLst>
               <a:ext uri="{FF2B5EF4-FFF2-40B4-BE49-F238E27FC236}">
-                <a16:creationId xmlns="" xmlns:a16="http://schemas.microsoft.com/office/drawing/2014/main" id="{37D8F60F-F9DD-4AAC-BF28-C004CCDF2D69}"/>
+                <a16:creationId xmlns:a16="http://schemas.microsoft.com/office/drawing/2014/main" id="{37D8F60F-F9DD-4AAC-BF28-C004CCDF2D69}"/>
               </a:ext>
             </a:extLst>
           </p:cNvPr>
@@ -1259,7 +1270,7 @@
           <p:cNvPr id="11" name="Text Placeholder 3">
             <a:extLst>
               <a:ext uri="{FF2B5EF4-FFF2-40B4-BE49-F238E27FC236}">
-                <a16:creationId xmlns="" xmlns:a16="http://schemas.microsoft.com/office/drawing/2014/main" id="{8F09FDD8-5B1C-4AAA-8EEC-0A77C9E477D1}"/>
+                <a16:creationId xmlns:a16="http://schemas.microsoft.com/office/drawing/2014/main" id="{8F09FDD8-5B1C-4AAA-8EEC-0A77C9E477D1}"/>
               </a:ext>
             </a:extLst>
           </p:cNvPr>
@@ -1330,7 +1341,7 @@
           <p:cNvPr id="12" name="Text Placeholder 3">
             <a:extLst>
               <a:ext uri="{FF2B5EF4-FFF2-40B4-BE49-F238E27FC236}">
-                <a16:creationId xmlns="" xmlns:a16="http://schemas.microsoft.com/office/drawing/2014/main" id="{E6DF0B7E-E17E-4875-966D-4DE67F755B71}"/>
+                <a16:creationId xmlns:a16="http://schemas.microsoft.com/office/drawing/2014/main" id="{E6DF0B7E-E17E-4875-966D-4DE67F755B71}"/>
               </a:ext>
             </a:extLst>
           </p:cNvPr>
@@ -1401,7 +1412,7 @@
           <p:cNvPr id="13" name="Straight Connector 12">
             <a:extLst>
               <a:ext uri="{FF2B5EF4-FFF2-40B4-BE49-F238E27FC236}">
-                <a16:creationId xmlns="" xmlns:a16="http://schemas.microsoft.com/office/drawing/2014/main" id="{5685D963-B130-47E9-AFCC-AEBED2B1155B}"/>
+                <a16:creationId xmlns:a16="http://schemas.microsoft.com/office/drawing/2014/main" id="{5685D963-B130-47E9-AFCC-AEBED2B1155B}"/>
               </a:ext>
             </a:extLst>
           </p:cNvPr>
@@ -1446,7 +1457,7 @@
           <p:cNvPr id="14" name="Straight Connector 13">
             <a:extLst>
               <a:ext uri="{FF2B5EF4-FFF2-40B4-BE49-F238E27FC236}">
-                <a16:creationId xmlns="" xmlns:a16="http://schemas.microsoft.com/office/drawing/2014/main" id="{2FA9B6CF-713A-4942-BE35-A61AFCDDFD3D}"/>
+                <a16:creationId xmlns:a16="http://schemas.microsoft.com/office/drawing/2014/main" id="{2FA9B6CF-713A-4942-BE35-A61AFCDDFD3D}"/>
               </a:ext>
             </a:extLst>
           </p:cNvPr>
@@ -1491,7 +1502,7 @@
           <p:cNvPr id="19" name="Text Placeholder 18">
             <a:extLst>
               <a:ext uri="{FF2B5EF4-FFF2-40B4-BE49-F238E27FC236}">
-                <a16:creationId xmlns="" xmlns:a16="http://schemas.microsoft.com/office/drawing/2014/main" id="{93809A32-C7A4-4739-994B-BE492F855ACC}"/>
+                <a16:creationId xmlns:a16="http://schemas.microsoft.com/office/drawing/2014/main" id="{93809A32-C7A4-4739-994B-BE492F855ACC}"/>
               </a:ext>
             </a:extLst>
           </p:cNvPr>
@@ -1555,7 +1566,7 @@
           <p:cNvPr id="7" name="Title 6">
             <a:extLst>
               <a:ext uri="{FF2B5EF4-FFF2-40B4-BE49-F238E27FC236}">
-                <a16:creationId xmlns="" xmlns:a16="http://schemas.microsoft.com/office/drawing/2014/main" id="{2C1ABD52-D5FE-4FC2-8449-5DA0E52853E1}"/>
+                <a16:creationId xmlns:a16="http://schemas.microsoft.com/office/drawing/2014/main" id="{2C1ABD52-D5FE-4FC2-8449-5DA0E52853E1}"/>
               </a:ext>
             </a:extLst>
           </p:cNvPr>
@@ -1581,7 +1592,7 @@
     </p:spTree>
     <p:extLst>
       <p:ext uri="{BB962C8B-B14F-4D97-AF65-F5344CB8AC3E}">
-        <p14:creationId xmlns="" xmlns:p14="http://schemas.microsoft.com/office/powerpoint/2010/main" val="2242703794"/>
+        <p14:creationId xmlns:p14="http://schemas.microsoft.com/office/powerpoint/2010/main" val="2242703794"/>
       </p:ext>
     </p:extLst>
   </p:cSld>
@@ -1602,7 +1613,7 @@
             <a:lum/>
             <a:extLst>
               <a:ext uri="{28A0092B-C50C-407E-A947-70E740481C1C}">
-                <a14:useLocalDpi xmlns="" xmlns:a14="http://schemas.microsoft.com/office/drawing/2010/main"/>
+                <a14:useLocalDpi xmlns:a14="http://schemas.microsoft.com/office/drawing/2010/main"/>
               </a:ext>
             </a:extLst>
           </a:blip>
@@ -2031,7 +2042,7 @@
     </p:spTree>
     <p:extLst>
       <p:ext uri="{BB962C8B-B14F-4D97-AF65-F5344CB8AC3E}">
-        <p14:creationId xmlns="" xmlns:p14="http://schemas.microsoft.com/office/powerpoint/2010/main" val="2281589185"/>
+        <p14:creationId xmlns:p14="http://schemas.microsoft.com/office/powerpoint/2010/main" val="2281589185"/>
       </p:ext>
     </p:extLst>
   </p:cSld>
@@ -2052,7 +2063,7 @@
             <a:lum/>
             <a:extLst>
               <a:ext uri="{28A0092B-C50C-407E-A947-70E740481C1C}">
-                <a14:useLocalDpi xmlns="" xmlns:a14="http://schemas.microsoft.com/office/drawing/2010/main"/>
+                <a14:useLocalDpi xmlns:a14="http://schemas.microsoft.com/office/drawing/2010/main"/>
               </a:ext>
             </a:extLst>
           </a:blip>
@@ -2211,7 +2222,7 @@
           <p:cNvPr id="6" name="Title 5">
             <a:extLst>
               <a:ext uri="{FF2B5EF4-FFF2-40B4-BE49-F238E27FC236}">
-                <a16:creationId xmlns="" xmlns:a16="http://schemas.microsoft.com/office/drawing/2014/main" id="{C414FF1F-6558-4E39-87DB-276E44F5477C}"/>
+                <a16:creationId xmlns:a16="http://schemas.microsoft.com/office/drawing/2014/main" id="{C414FF1F-6558-4E39-87DB-276E44F5477C}"/>
               </a:ext>
             </a:extLst>
           </p:cNvPr>
@@ -2237,7 +2248,7 @@
     </p:spTree>
     <p:extLst>
       <p:ext uri="{BB962C8B-B14F-4D97-AF65-F5344CB8AC3E}">
-        <p14:creationId xmlns="" xmlns:p14="http://schemas.microsoft.com/office/powerpoint/2010/main" val="356888672"/>
+        <p14:creationId xmlns:p14="http://schemas.microsoft.com/office/powerpoint/2010/main" val="356888672"/>
       </p:ext>
     </p:extLst>
   </p:cSld>
@@ -2258,7 +2269,7 @@
             <a:lum/>
             <a:extLst>
               <a:ext uri="{28A0092B-C50C-407E-A947-70E740481C1C}">
-                <a14:useLocalDpi xmlns="" xmlns:a14="http://schemas.microsoft.com/office/drawing/2010/main"/>
+                <a14:useLocalDpi xmlns:a14="http://schemas.microsoft.com/office/drawing/2010/main"/>
               </a:ext>
             </a:extLst>
           </a:blip>
@@ -2516,7 +2527,7 @@
     </p:spTree>
     <p:extLst>
       <p:ext uri="{BB962C8B-B14F-4D97-AF65-F5344CB8AC3E}">
-        <p14:creationId xmlns="" xmlns:p14="http://schemas.microsoft.com/office/powerpoint/2010/main" val="1880136507"/>
+        <p14:creationId xmlns:p14="http://schemas.microsoft.com/office/powerpoint/2010/main" val="1880136507"/>
       </p:ext>
     </p:extLst>
   </p:cSld>
@@ -2537,7 +2548,7 @@
             <a:lum/>
             <a:extLst>
               <a:ext uri="{28A0092B-C50C-407E-A947-70E740481C1C}">
-                <a14:useLocalDpi xmlns="" xmlns:a14="http://schemas.microsoft.com/office/drawing/2010/main"/>
+                <a14:useLocalDpi xmlns:a14="http://schemas.microsoft.com/office/drawing/2010/main"/>
               </a:ext>
             </a:extLst>
           </a:blip>
@@ -2726,7 +2737,7 @@
           <p:cNvPr id="9" name="Straight Connector 8">
             <a:extLst>
               <a:ext uri="{FF2B5EF4-FFF2-40B4-BE49-F238E27FC236}">
-                <a16:creationId xmlns="" xmlns:a16="http://schemas.microsoft.com/office/drawing/2014/main" id="{4715607D-9DE2-4687-AAF8-EF2427252A90}"/>
+                <a16:creationId xmlns:a16="http://schemas.microsoft.com/office/drawing/2014/main" id="{4715607D-9DE2-4687-AAF8-EF2427252A90}"/>
               </a:ext>
             </a:extLst>
           </p:cNvPr>
@@ -2763,7 +2774,7 @@
           <p:cNvPr id="7" name="Title 6">
             <a:extLst>
               <a:ext uri="{FF2B5EF4-FFF2-40B4-BE49-F238E27FC236}">
-                <a16:creationId xmlns="" xmlns:a16="http://schemas.microsoft.com/office/drawing/2014/main" id="{2F96D46B-C1B8-46AB-87DF-61A8058B1F42}"/>
+                <a16:creationId xmlns:a16="http://schemas.microsoft.com/office/drawing/2014/main" id="{2F96D46B-C1B8-46AB-87DF-61A8058B1F42}"/>
               </a:ext>
             </a:extLst>
           </p:cNvPr>
@@ -2789,7 +2800,7 @@
     </p:spTree>
     <p:extLst>
       <p:ext uri="{BB962C8B-B14F-4D97-AF65-F5344CB8AC3E}">
-        <p14:creationId xmlns="" xmlns:p14="http://schemas.microsoft.com/office/powerpoint/2010/main" val="277750453"/>
+        <p14:creationId xmlns:p14="http://schemas.microsoft.com/office/powerpoint/2010/main" val="277750453"/>
       </p:ext>
     </p:extLst>
   </p:cSld>
@@ -2810,7 +2821,7 @@
             <a:lum/>
             <a:extLst>
               <a:ext uri="{28A0092B-C50C-407E-A947-70E740481C1C}">
-                <a14:useLocalDpi xmlns="" xmlns:a14="http://schemas.microsoft.com/office/drawing/2010/main"/>
+                <a14:useLocalDpi xmlns:a14="http://schemas.microsoft.com/office/drawing/2010/main"/>
               </a:ext>
             </a:extLst>
           </a:blip>
@@ -3147,7 +3158,7 @@
           <p:cNvPr id="11" name="Straight Connector 10">
             <a:extLst>
               <a:ext uri="{FF2B5EF4-FFF2-40B4-BE49-F238E27FC236}">
-                <a16:creationId xmlns="" xmlns:a16="http://schemas.microsoft.com/office/drawing/2014/main" id="{C384AA55-1960-47F4-BA3C-E97A6F2D0B19}"/>
+                <a16:creationId xmlns:a16="http://schemas.microsoft.com/office/drawing/2014/main" id="{C384AA55-1960-47F4-BA3C-E97A6F2D0B19}"/>
               </a:ext>
             </a:extLst>
           </p:cNvPr>
@@ -3184,7 +3195,7 @@
           <p:cNvPr id="9" name="Title 8">
             <a:extLst>
               <a:ext uri="{FF2B5EF4-FFF2-40B4-BE49-F238E27FC236}">
-                <a16:creationId xmlns="" xmlns:a16="http://schemas.microsoft.com/office/drawing/2014/main" id="{09471694-1220-4CFC-A31F-622E5D3DE2D5}"/>
+                <a16:creationId xmlns:a16="http://schemas.microsoft.com/office/drawing/2014/main" id="{09471694-1220-4CFC-A31F-622E5D3DE2D5}"/>
               </a:ext>
             </a:extLst>
           </p:cNvPr>
@@ -3210,7 +3221,7 @@
     </p:spTree>
     <p:extLst>
       <p:ext uri="{BB962C8B-B14F-4D97-AF65-F5344CB8AC3E}">
-        <p14:creationId xmlns="" xmlns:p14="http://schemas.microsoft.com/office/powerpoint/2010/main" val="981749446"/>
+        <p14:creationId xmlns:p14="http://schemas.microsoft.com/office/powerpoint/2010/main" val="981749446"/>
       </p:ext>
     </p:extLst>
   </p:cSld>
@@ -3231,7 +3242,7 @@
             <a:lum/>
             <a:extLst>
               <a:ext uri="{28A0092B-C50C-407E-A947-70E740481C1C}">
-                <a14:useLocalDpi xmlns="" xmlns:a14="http://schemas.microsoft.com/office/drawing/2010/main"/>
+                <a14:useLocalDpi xmlns:a14="http://schemas.microsoft.com/office/drawing/2010/main"/>
               </a:ext>
             </a:extLst>
           </a:blip>
@@ -3308,7 +3319,7 @@
           <p:cNvPr id="7" name="Straight Connector 6">
             <a:extLst>
               <a:ext uri="{FF2B5EF4-FFF2-40B4-BE49-F238E27FC236}">
-                <a16:creationId xmlns="" xmlns:a16="http://schemas.microsoft.com/office/drawing/2014/main" id="{FFB55B52-B62C-4800-AAC1-B15AF2FE1F45}"/>
+                <a16:creationId xmlns:a16="http://schemas.microsoft.com/office/drawing/2014/main" id="{FFB55B52-B62C-4800-AAC1-B15AF2FE1F45}"/>
               </a:ext>
             </a:extLst>
           </p:cNvPr>
@@ -3345,7 +3356,7 @@
           <p:cNvPr id="5" name="Title 4">
             <a:extLst>
               <a:ext uri="{FF2B5EF4-FFF2-40B4-BE49-F238E27FC236}">
-                <a16:creationId xmlns="" xmlns:a16="http://schemas.microsoft.com/office/drawing/2014/main" id="{3DF0054B-B64C-418E-A1B8-428EE4A1DB50}"/>
+                <a16:creationId xmlns:a16="http://schemas.microsoft.com/office/drawing/2014/main" id="{3DF0054B-B64C-418E-A1B8-428EE4A1DB50}"/>
               </a:ext>
             </a:extLst>
           </p:cNvPr>
@@ -3371,7 +3382,7 @@
     </p:spTree>
     <p:extLst>
       <p:ext uri="{BB962C8B-B14F-4D97-AF65-F5344CB8AC3E}">
-        <p14:creationId xmlns="" xmlns:p14="http://schemas.microsoft.com/office/powerpoint/2010/main" val="453955094"/>
+        <p14:creationId xmlns:p14="http://schemas.microsoft.com/office/powerpoint/2010/main" val="453955094"/>
       </p:ext>
     </p:extLst>
   </p:cSld>
@@ -3392,7 +3403,7 @@
             <a:lum/>
             <a:extLst>
               <a:ext uri="{28A0092B-C50C-407E-A947-70E740481C1C}">
-                <a14:useLocalDpi xmlns="" xmlns:a14="http://schemas.microsoft.com/office/drawing/2010/main"/>
+                <a14:useLocalDpi xmlns:a14="http://schemas.microsoft.com/office/drawing/2010/main"/>
               </a:ext>
             </a:extLst>
           </a:blip>
@@ -3469,7 +3480,7 @@
           <p:cNvPr id="7" name="Straight Connector 6">
             <a:extLst>
               <a:ext uri="{FF2B5EF4-FFF2-40B4-BE49-F238E27FC236}">
-                <a16:creationId xmlns="" xmlns:a16="http://schemas.microsoft.com/office/drawing/2014/main" id="{FFB55B52-B62C-4800-AAC1-B15AF2FE1F45}"/>
+                <a16:creationId xmlns:a16="http://schemas.microsoft.com/office/drawing/2014/main" id="{FFB55B52-B62C-4800-AAC1-B15AF2FE1F45}"/>
               </a:ext>
             </a:extLst>
           </p:cNvPr>
@@ -3506,7 +3517,7 @@
           <p:cNvPr id="5" name="Title 4">
             <a:extLst>
               <a:ext uri="{FF2B5EF4-FFF2-40B4-BE49-F238E27FC236}">
-                <a16:creationId xmlns="" xmlns:a16="http://schemas.microsoft.com/office/drawing/2014/main" id="{3DF0054B-B64C-418E-A1B8-428EE4A1DB50}"/>
+                <a16:creationId xmlns:a16="http://schemas.microsoft.com/office/drawing/2014/main" id="{3DF0054B-B64C-418E-A1B8-428EE4A1DB50}"/>
               </a:ext>
             </a:extLst>
           </p:cNvPr>
@@ -3534,7 +3545,7 @@
           <p:cNvPr id="6" name="Text Placeholder 5">
             <a:extLst>
               <a:ext uri="{FF2B5EF4-FFF2-40B4-BE49-F238E27FC236}">
-                <a16:creationId xmlns="" xmlns:a16="http://schemas.microsoft.com/office/drawing/2014/main" id="{A5A680F6-C147-410B-94DF-19850752D7DF}"/>
+                <a16:creationId xmlns:a16="http://schemas.microsoft.com/office/drawing/2014/main" id="{A5A680F6-C147-410B-94DF-19850752D7DF}"/>
               </a:ext>
             </a:extLst>
           </p:cNvPr>
@@ -3577,7 +3588,7 @@
     </p:spTree>
     <p:extLst>
       <p:ext uri="{BB962C8B-B14F-4D97-AF65-F5344CB8AC3E}">
-        <p14:creationId xmlns="" xmlns:p14="http://schemas.microsoft.com/office/powerpoint/2010/main" val="4010242303"/>
+        <p14:creationId xmlns:p14="http://schemas.microsoft.com/office/powerpoint/2010/main" val="4010242303"/>
       </p:ext>
     </p:extLst>
   </p:cSld>
@@ -3598,7 +3609,7 @@
             <a:lum/>
             <a:extLst>
               <a:ext uri="{28A0092B-C50C-407E-A947-70E740481C1C}">
-                <a14:useLocalDpi xmlns="" xmlns:a14="http://schemas.microsoft.com/office/drawing/2010/main"/>
+                <a14:useLocalDpi xmlns:a14="http://schemas.microsoft.com/office/drawing/2010/main"/>
               </a:ext>
             </a:extLst>
           </a:blip>
@@ -3673,7 +3684,7 @@
     </p:spTree>
     <p:extLst>
       <p:ext uri="{BB962C8B-B14F-4D97-AF65-F5344CB8AC3E}">
-        <p14:creationId xmlns="" xmlns:p14="http://schemas.microsoft.com/office/powerpoint/2010/main" val="3771245684"/>
+        <p14:creationId xmlns:p14="http://schemas.microsoft.com/office/powerpoint/2010/main" val="3771245684"/>
       </p:ext>
     </p:extLst>
   </p:cSld>
@@ -3694,7 +3705,7 @@
             <a:lum/>
             <a:extLst>
               <a:ext uri="{28A0092B-C50C-407E-A947-70E740481C1C}">
-                <a14:useLocalDpi xmlns="" xmlns:a14="http://schemas.microsoft.com/office/drawing/2010/main"/>
+                <a14:useLocalDpi xmlns:a14="http://schemas.microsoft.com/office/drawing/2010/main"/>
               </a:ext>
             </a:extLst>
           </a:blip>
@@ -3892,7 +3903,7 @@
           <p:cNvPr id="9" name="Straight Connector 8">
             <a:extLst>
               <a:ext uri="{FF2B5EF4-FFF2-40B4-BE49-F238E27FC236}">
-                <a16:creationId xmlns="" xmlns:a16="http://schemas.microsoft.com/office/drawing/2014/main" id="{6CC09F73-0AD6-4A1E-A331-75A00B808982}"/>
+                <a16:creationId xmlns:a16="http://schemas.microsoft.com/office/drawing/2014/main" id="{6CC09F73-0AD6-4A1E-A331-75A00B808982}"/>
               </a:ext>
             </a:extLst>
           </p:cNvPr>
@@ -3929,7 +3940,7 @@
           <p:cNvPr id="7" name="Title 6">
             <a:extLst>
               <a:ext uri="{FF2B5EF4-FFF2-40B4-BE49-F238E27FC236}">
-                <a16:creationId xmlns="" xmlns:a16="http://schemas.microsoft.com/office/drawing/2014/main" id="{1B74F78C-6D32-47C3-ABB2-6E7092A9C4A3}"/>
+                <a16:creationId xmlns:a16="http://schemas.microsoft.com/office/drawing/2014/main" id="{1B74F78C-6D32-47C3-ABB2-6E7092A9C4A3}"/>
               </a:ext>
             </a:extLst>
           </p:cNvPr>
@@ -3955,7 +3966,7 @@
     </p:spTree>
     <p:extLst>
       <p:ext uri="{BB962C8B-B14F-4D97-AF65-F5344CB8AC3E}">
-        <p14:creationId xmlns="" xmlns:p14="http://schemas.microsoft.com/office/powerpoint/2010/main" val="3281653983"/>
+        <p14:creationId xmlns:p14="http://schemas.microsoft.com/office/powerpoint/2010/main" val="3281653983"/>
       </p:ext>
     </p:extLst>
   </p:cSld>
@@ -3976,7 +3987,7 @@
             <a:lum/>
             <a:extLst>
               <a:ext uri="{28A0092B-C50C-407E-A947-70E740481C1C}">
-                <a14:useLocalDpi xmlns="" xmlns:a14="http://schemas.microsoft.com/office/drawing/2010/main"/>
+                <a14:useLocalDpi xmlns:a14="http://schemas.microsoft.com/office/drawing/2010/main"/>
               </a:ext>
             </a:extLst>
           </a:blip>
@@ -4063,7 +4074,7 @@
           <a:blip r:embed="rId14" cstate="screen">
             <a:extLst>
               <a:ext uri="{BEBA8EAE-BF5A-486C-A8C5-ECC9F3942E4B}">
-                <a14:imgProps xmlns="" xmlns:a14="http://schemas.microsoft.com/office/drawing/2010/main">
+                <a14:imgProps xmlns:a14="http://schemas.microsoft.com/office/drawing/2010/main">
                   <a14:imgLayer r:embed="rId15">
                     <a14:imgEffect>
                       <a14:brightnessContrast contrast="40000"/>
@@ -4072,7 +4083,7 @@
                 </a14:imgProps>
               </a:ext>
               <a:ext uri="{28A0092B-C50C-407E-A947-70E740481C1C}">
-                <a14:useLocalDpi xmlns="" xmlns:a14="http://schemas.microsoft.com/office/drawing/2010/main"/>
+                <a14:useLocalDpi xmlns:a14="http://schemas.microsoft.com/office/drawing/2010/main"/>
               </a:ext>
             </a:extLst>
           </a:blip>
@@ -4300,7 +4311,7 @@
     </p:spTree>
     <p:extLst>
       <p:ext uri="{BB962C8B-B14F-4D97-AF65-F5344CB8AC3E}">
-        <p14:creationId xmlns="" xmlns:p14="http://schemas.microsoft.com/office/powerpoint/2010/main" val="487587054"/>
+        <p14:creationId xmlns:p14="http://schemas.microsoft.com/office/powerpoint/2010/main" val="487587054"/>
       </p:ext>
     </p:extLst>
   </p:cSld>
@@ -4658,7 +4669,7 @@
             <a:lum/>
             <a:extLst>
               <a:ext uri="{28A0092B-C50C-407E-A947-70E740481C1C}">
-                <a14:useLocalDpi xmlns="" xmlns:a14="http://schemas.microsoft.com/office/drawing/2010/main"/>
+                <a14:useLocalDpi xmlns:a14="http://schemas.microsoft.com/office/drawing/2010/main"/>
               </a:ext>
             </a:extLst>
           </a:blip>
@@ -4689,7 +4700,7 @@
           <p:cNvPr id="2" name="Title 1">
             <a:extLst>
               <a:ext uri="{FF2B5EF4-FFF2-40B4-BE49-F238E27FC236}">
-                <a16:creationId xmlns="" xmlns:a16="http://schemas.microsoft.com/office/drawing/2014/main" id="{90DCA56C-7A25-4BD4-AA72-5256E68BE4CB}"/>
+                <a16:creationId xmlns:a16="http://schemas.microsoft.com/office/drawing/2014/main" id="{90DCA56C-7A25-4BD4-AA72-5256E68BE4CB}"/>
               </a:ext>
             </a:extLst>
           </p:cNvPr>
@@ -4717,7 +4728,7 @@
           <p:cNvPr id="3" name="Subtitle 2">
             <a:extLst>
               <a:ext uri="{FF2B5EF4-FFF2-40B4-BE49-F238E27FC236}">
-                <a16:creationId xmlns="" xmlns:a16="http://schemas.microsoft.com/office/drawing/2014/main" id="{BBBCF363-1123-45B1-8A9A-ABCDA40EF3F2}"/>
+                <a16:creationId xmlns:a16="http://schemas.microsoft.com/office/drawing/2014/main" id="{BBBCF363-1123-45B1-8A9A-ABCDA40EF3F2}"/>
               </a:ext>
             </a:extLst>
           </p:cNvPr>
@@ -4885,7 +4896,7 @@
           <a:blip r:embed="rId3">
             <a:extLst>
               <a:ext uri="{28A0092B-C50C-407E-A947-70E740481C1C}">
-                <a14:useLocalDpi xmlns="" xmlns:a14="http://schemas.microsoft.com/office/drawing/2010/main" val="0"/>
+                <a14:useLocalDpi xmlns:a14="http://schemas.microsoft.com/office/drawing/2010/main" val="0"/>
               </a:ext>
             </a:extLst>
           </a:blip>
@@ -4918,7 +4929,7 @@
     </p:spTree>
     <p:extLst>
       <p:ext uri="{BB962C8B-B14F-4D97-AF65-F5344CB8AC3E}">
-        <p14:creationId xmlns="" xmlns:p14="http://schemas.microsoft.com/office/powerpoint/2010/main" val="410429437"/>
+        <p14:creationId xmlns:p14="http://schemas.microsoft.com/office/powerpoint/2010/main" val="410429437"/>
       </p:ext>
     </p:extLst>
   </p:cSld>
@@ -4939,7 +4950,7 @@
             <a:lum/>
             <a:extLst>
               <a:ext uri="{28A0092B-C50C-407E-A947-70E740481C1C}">
-                <a14:useLocalDpi xmlns="" xmlns:a14="http://schemas.microsoft.com/office/drawing/2010/main"/>
+                <a14:useLocalDpi xmlns:a14="http://schemas.microsoft.com/office/drawing/2010/main"/>
               </a:ext>
             </a:extLst>
           </a:blip>
@@ -4970,7 +4981,7 @@
           <p:cNvPr id="2" name="Title 1">
             <a:extLst>
               <a:ext uri="{FF2B5EF4-FFF2-40B4-BE49-F238E27FC236}">
-                <a16:creationId xmlns="" xmlns:a16="http://schemas.microsoft.com/office/drawing/2014/main" id="{B569CD3E-5E33-4EB5-A2CE-C636605E633F}"/>
+                <a16:creationId xmlns:a16="http://schemas.microsoft.com/office/drawing/2014/main" id="{B569CD3E-5E33-4EB5-A2CE-C636605E633F}"/>
               </a:ext>
             </a:extLst>
           </p:cNvPr>
@@ -5003,7 +5014,7 @@
           <p:cNvPr id="4" name="Graphic 3" descr="Lightbulb icon">
             <a:extLst>
               <a:ext uri="{FF2B5EF4-FFF2-40B4-BE49-F238E27FC236}">
-                <a16:creationId xmlns="" xmlns:a16="http://schemas.microsoft.com/office/drawing/2014/main" id="{5E124F8C-3984-4EEC-9BA8-3B255731F2B0}"/>
+                <a16:creationId xmlns:a16="http://schemas.microsoft.com/office/drawing/2014/main" id="{5E124F8C-3984-4EEC-9BA8-3B255731F2B0}"/>
               </a:ext>
             </a:extLst>
           </p:cNvPr>
@@ -5016,7 +5027,7 @@
           <a:blip r:embed="rId3">
             <a:extLst>
               <a:ext uri="{96DAC541-7B7A-43D3-8B79-37D633B846F1}">
-                <asvg:svgBlip xmlns="" xmlns:asvg="http://schemas.microsoft.com/office/drawing/2016/SVG/main" r:embed="rId4"/>
+                <asvg:svgBlip xmlns:asvg="http://schemas.microsoft.com/office/drawing/2016/SVG/main" r:embed="rId4"/>
               </a:ext>
             </a:extLst>
           </a:blip>
@@ -5039,7 +5050,7 @@
           <p:cNvPr id="3" name="Content Placeholder 2">
             <a:extLst>
               <a:ext uri="{FF2B5EF4-FFF2-40B4-BE49-F238E27FC236}">
-                <a16:creationId xmlns="" xmlns:a16="http://schemas.microsoft.com/office/drawing/2014/main" id="{C3C0199F-A274-44C6-BF37-784A855E6EEA}"/>
+                <a16:creationId xmlns:a16="http://schemas.microsoft.com/office/drawing/2014/main" id="{C3C0199F-A274-44C6-BF37-784A855E6EEA}"/>
               </a:ext>
             </a:extLst>
           </p:cNvPr>
@@ -5074,7 +5085,7 @@
     </p:spTree>
     <p:extLst>
       <p:ext uri="{BB962C8B-B14F-4D97-AF65-F5344CB8AC3E}">
-        <p14:creationId xmlns="" xmlns:p14="http://schemas.microsoft.com/office/powerpoint/2010/main" val="2094298288"/>
+        <p14:creationId xmlns:p14="http://schemas.microsoft.com/office/powerpoint/2010/main" val="2094298288"/>
       </p:ext>
     </p:extLst>
   </p:cSld>
@@ -5106,7 +5117,7 @@
           <p:cNvPr id="3" name="Title 1">
             <a:extLst>
               <a:ext uri="{FF2B5EF4-FFF2-40B4-BE49-F238E27FC236}">
-                <a16:creationId xmlns="" xmlns:a16="http://schemas.microsoft.com/office/drawing/2014/main" id="{B569CD3E-5E33-4EB5-A2CE-C636605E633F}"/>
+                <a16:creationId xmlns:a16="http://schemas.microsoft.com/office/drawing/2014/main" id="{B569CD3E-5E33-4EB5-A2CE-C636605E633F}"/>
               </a:ext>
             </a:extLst>
           </p:cNvPr>
@@ -5213,7 +5224,7 @@
     </p:spTree>
     <p:extLst>
       <p:ext uri="{BB962C8B-B14F-4D97-AF65-F5344CB8AC3E}">
-        <p14:creationId xmlns="" xmlns:p14="http://schemas.microsoft.com/office/powerpoint/2010/main" val="2695023280"/>
+        <p14:creationId xmlns:p14="http://schemas.microsoft.com/office/powerpoint/2010/main" val="2695023280"/>
       </p:ext>
     </p:extLst>
   </p:cSld>
@@ -5245,7 +5256,7 @@
           <p:cNvPr id="2" name="Title 1">
             <a:extLst>
               <a:ext uri="{FF2B5EF4-FFF2-40B4-BE49-F238E27FC236}">
-                <a16:creationId xmlns="" xmlns:a16="http://schemas.microsoft.com/office/drawing/2014/main" id="{B569CD3E-5E33-4EB5-A2CE-C636605E633F}"/>
+                <a16:creationId xmlns:a16="http://schemas.microsoft.com/office/drawing/2014/main" id="{B569CD3E-5E33-4EB5-A2CE-C636605E633F}"/>
               </a:ext>
             </a:extLst>
           </p:cNvPr>
@@ -5278,7 +5289,7 @@
           <p:cNvPr id="6" name="Graphic 5" descr="Tools icon">
             <a:extLst>
               <a:ext uri="{FF2B5EF4-FFF2-40B4-BE49-F238E27FC236}">
-                <a16:creationId xmlns="" xmlns:a16="http://schemas.microsoft.com/office/drawing/2014/main" id="{A0524D64-7C99-4DD6-A26E-C33BE01EC436}"/>
+                <a16:creationId xmlns:a16="http://schemas.microsoft.com/office/drawing/2014/main" id="{A0524D64-7C99-4DD6-A26E-C33BE01EC436}"/>
               </a:ext>
             </a:extLst>
           </p:cNvPr>
@@ -5291,7 +5302,7 @@
           <a:blip r:embed="rId2">
             <a:extLst>
               <a:ext uri="{96DAC541-7B7A-43D3-8B79-37D633B846F1}">
-                <asvg:svgBlip xmlns="" xmlns:asvg="http://schemas.microsoft.com/office/drawing/2016/SVG/main" r:embed="rId3"/>
+                <asvg:svgBlip xmlns:asvg="http://schemas.microsoft.com/office/drawing/2016/SVG/main" r:embed="rId3"/>
               </a:ext>
             </a:extLst>
           </a:blip>
@@ -5364,17 +5375,16 @@
           <a:lstStyle/>
           <a:p>
             <a:r>
-              <a:rPr lang="en-US" sz="3200" dirty="0" smtClean="0"/>
+              <a:rPr lang="en-US" sz="3200" dirty="0"/>
               <a:t>We were never actually this far behind, but we kept adding tasks, as we thought of new features or improvements, essentially moving the goal posts.</a:t>
             </a:r>
-            <a:endParaRPr lang="en-US" sz="3200" dirty="0"/>
           </a:p>
         </p:txBody>
       </p:sp>
     </p:spTree>
     <p:extLst>
       <p:ext uri="{BB962C8B-B14F-4D97-AF65-F5344CB8AC3E}">
-        <p14:creationId xmlns="" xmlns:p14="http://schemas.microsoft.com/office/powerpoint/2010/main" val="2712936521"/>
+        <p14:creationId xmlns:p14="http://schemas.microsoft.com/office/powerpoint/2010/main" val="2712936521"/>
       </p:ext>
     </p:extLst>
   </p:cSld>
@@ -5406,7 +5416,7 @@
           <p:cNvPr id="2" name="Title 1">
             <a:extLst>
               <a:ext uri="{FF2B5EF4-FFF2-40B4-BE49-F238E27FC236}">
-                <a16:creationId xmlns="" xmlns:a16="http://schemas.microsoft.com/office/drawing/2014/main" id="{B569CD3E-5E33-4EB5-A2CE-C636605E633F}"/>
+                <a16:creationId xmlns:a16="http://schemas.microsoft.com/office/drawing/2014/main" id="{B569CD3E-5E33-4EB5-A2CE-C636605E633F}"/>
               </a:ext>
             </a:extLst>
           </p:cNvPr>
@@ -5459,7 +5469,7 @@
           <p:cNvPr id="3" name="Graphic 4" descr="Man and Woman icon">
             <a:extLst>
               <a:ext uri="{FF2B5EF4-FFF2-40B4-BE49-F238E27FC236}">
-                <a16:creationId xmlns="" xmlns:a16="http://schemas.microsoft.com/office/drawing/2014/main" id="{2DED0F48-76A7-437D-9746-E2DF97A1CB06}"/>
+                <a16:creationId xmlns:a16="http://schemas.microsoft.com/office/drawing/2014/main" id="{2DED0F48-76A7-437D-9746-E2DF97A1CB06}"/>
               </a:ext>
             </a:extLst>
           </p:cNvPr>
@@ -5472,7 +5482,7 @@
           <a:blip r:embed="rId2">
             <a:extLst>
               <a:ext uri="{96DAC541-7B7A-43D3-8B79-37D633B846F1}">
-                <asvg:svgBlip xmlns="" xmlns:asvg="http://schemas.microsoft.com/office/drawing/2016/SVG/main" r:embed="rId3"/>
+                <asvg:svgBlip xmlns:asvg="http://schemas.microsoft.com/office/drawing/2016/SVG/main" r:embed="rId3"/>
               </a:ext>
             </a:extLst>
           </a:blip>
@@ -5525,7 +5535,7 @@
     </p:spTree>
     <p:extLst>
       <p:ext uri="{BB962C8B-B14F-4D97-AF65-F5344CB8AC3E}">
-        <p14:creationId xmlns="" xmlns:p14="http://schemas.microsoft.com/office/powerpoint/2010/main" val="2524503936"/>
+        <p14:creationId xmlns:p14="http://schemas.microsoft.com/office/powerpoint/2010/main" val="2524503936"/>
       </p:ext>
     </p:extLst>
   </p:cSld>
@@ -5557,7 +5567,7 @@
           <p:cNvPr id="4" name="Title 1">
             <a:extLst>
               <a:ext uri="{FF2B5EF4-FFF2-40B4-BE49-F238E27FC236}">
-                <a16:creationId xmlns="" xmlns:a16="http://schemas.microsoft.com/office/drawing/2014/main" id="{B569CD3E-5E33-4EB5-A2CE-C636605E633F}"/>
+                <a16:creationId xmlns:a16="http://schemas.microsoft.com/office/drawing/2014/main" id="{B569CD3E-5E33-4EB5-A2CE-C636605E633F}"/>
               </a:ext>
             </a:extLst>
           </p:cNvPr>
@@ -5599,10 +5609,9 @@
           </a:lstStyle>
           <a:p>
             <a:r>
-              <a:rPr lang="en-US" dirty="0" smtClean="0"/>
+              <a:rPr lang="en-US" dirty="0"/>
               <a:t>Final Look</a:t>
             </a:r>
-            <a:endParaRPr lang="en-US" dirty="0"/>
           </a:p>
         </p:txBody>
       </p:sp>
@@ -5661,7 +5670,7 @@
           <a:lstStyle/>
           <a:p>
             <a:r>
-              <a:rPr lang="en-US" sz="2800" u="sng" dirty="0" smtClean="0"/>
+              <a:rPr lang="en-US" sz="2800" u="sng" dirty="0"/>
               <a:t>Features:</a:t>
             </a:r>
           </a:p>
@@ -5671,7 +5680,7 @@
               <a:buChar char="•"/>
             </a:pPr>
             <a:r>
-              <a:rPr lang="en-US" sz="2800" dirty="0" smtClean="0"/>
+              <a:rPr lang="en-US" sz="2800" dirty="0"/>
               <a:t>Solves multiple equations</a:t>
             </a:r>
           </a:p>
@@ -5680,7 +5689,7 @@
               <a:buFont typeface="Arial" pitchFamily="34" charset="0"/>
               <a:buChar char="•"/>
             </a:pPr>
-            <a:endParaRPr lang="en-US" sz="2800" dirty="0" smtClean="0"/>
+            <a:endParaRPr lang="en-US" sz="2800" dirty="0"/>
           </a:p>
           <a:p>
             <a:pPr>
@@ -5688,7 +5697,7 @@
               <a:buChar char="•"/>
             </a:pPr>
             <a:r>
-              <a:rPr lang="en-US" sz="2800" dirty="0" smtClean="0"/>
+              <a:rPr lang="en-US" sz="2800" dirty="0"/>
               <a:t>Saves old entries</a:t>
             </a:r>
           </a:p>
@@ -5697,7 +5706,7 @@
               <a:buFont typeface="Arial" pitchFamily="34" charset="0"/>
               <a:buChar char="•"/>
             </a:pPr>
-            <a:endParaRPr lang="en-US" sz="2800" dirty="0" smtClean="0"/>
+            <a:endParaRPr lang="en-US" sz="2800" dirty="0"/>
           </a:p>
           <a:p>
             <a:pPr>
@@ -5705,7 +5714,7 @@
               <a:buChar char="•"/>
             </a:pPr>
             <a:r>
-              <a:rPr lang="en-US" sz="2800" dirty="0" smtClean="0"/>
+              <a:rPr lang="en-US" sz="2800" dirty="0"/>
               <a:t>Converts units</a:t>
             </a:r>
           </a:p>
@@ -5714,7 +5723,7 @@
               <a:buFont typeface="Arial" pitchFamily="34" charset="0"/>
               <a:buChar char="•"/>
             </a:pPr>
-            <a:endParaRPr lang="en-US" sz="2800" dirty="0" smtClean="0"/>
+            <a:endParaRPr lang="en-US" sz="2800" dirty="0"/>
           </a:p>
           <a:p>
             <a:pPr>
@@ -5722,10 +5731,9 @@
               <a:buChar char="•"/>
             </a:pPr>
             <a:r>
-              <a:rPr lang="en-US" sz="2800" dirty="0" smtClean="0"/>
+              <a:rPr lang="en-US" sz="2800" dirty="0"/>
               <a:t>Error checks entries</a:t>
             </a:r>
-            <a:endParaRPr lang="en-US" sz="2800" dirty="0"/>
           </a:p>
         </p:txBody>
       </p:sp>
@@ -5756,56 +5764,27 @@
       </p:grpSpPr>
       <p:sp>
         <p:nvSpPr>
-          <p:cNvPr id="4" name="Title 1">
+          <p:cNvPr id="2" name="Rectangle 1">
             <a:extLst>
               <a:ext uri="{FF2B5EF4-FFF2-40B4-BE49-F238E27FC236}">
-                <a16:creationId xmlns="" xmlns:a16="http://schemas.microsoft.com/office/drawing/2014/main" id="{B569CD3E-5E33-4EB5-A2CE-C636605E633F}"/>
+                <a16:creationId xmlns:a16="http://schemas.microsoft.com/office/drawing/2014/main" id="{4E12F0F8-38FA-4098-992B-151A465DBED6}"/>
               </a:ext>
             </a:extLst>
           </p:cNvPr>
-          <p:cNvSpPr>
-            <a:spLocks noGrp="1"/>
-          </p:cNvSpPr>
-          <p:nvPr>
-            <p:ph type="title"/>
-          </p:nvPr>
+          <p:cNvSpPr/>
+          <p:nvPr/>
         </p:nvSpPr>
         <p:spPr>
           <a:xfrm>
-            <a:off x="975040" y="804519"/>
-            <a:ext cx="9603275" cy="1049235"/>
-          </a:xfrm>
-        </p:spPr>
-        <p:txBody>
-          <a:bodyPr/>
-          <a:lstStyle/>
-          <a:p>
-            <a:r>
-              <a:rPr lang="en-US" dirty="0" smtClean="0"/>
-              <a:t>Final Thoughts / Future Improvements</a:t>
-            </a:r>
-            <a:endParaRPr lang="en-US" dirty="0"/>
-          </a:p>
-        </p:txBody>
-      </p:sp>
-      <p:sp>
-        <p:nvSpPr>
-          <p:cNvPr id="5" name="TextBox 4"/>
-          <p:cNvSpPr txBox="1"/>
-          <p:nvPr/>
-        </p:nvSpPr>
-        <p:spPr>
-          <a:xfrm>
-            <a:off x="457200" y="2143125"/>
-            <a:ext cx="11258550" cy="2062103"/>
+            <a:off x="138223" y="646417"/>
+            <a:ext cx="12053777" cy="6186309"/>
           </a:xfrm>
           <a:prstGeom prst="rect">
             <a:avLst/>
           </a:prstGeom>
-          <a:noFill/>
-        </p:spPr>
-        <p:txBody>
-          <a:bodyPr wrap="square" rtlCol="0">
+        </p:spPr>
+        <p:txBody>
+          <a:bodyPr wrap="square">
             <a:spAutoFit/>
           </a:bodyPr>
           <a:lstStyle/>
@@ -5815,8 +5794,8 @@
               <a:buChar char="•"/>
             </a:pPr>
             <a:r>
-              <a:rPr lang="en-US" sz="3200" dirty="0" smtClean="0"/>
-              <a:t>Add more formulas, to expand into other areas of physics</a:t>
+              <a:rPr lang="en-US" sz="3600" dirty="0"/>
+              <a:t>Add more variables and formulas</a:t>
             </a:r>
           </a:p>
           <a:p>
@@ -5825,8 +5804,8 @@
               <a:buChar char="•"/>
             </a:pPr>
             <a:r>
-              <a:rPr lang="en-US" sz="3200" dirty="0" smtClean="0"/>
-              <a:t>Add more extensive unit conversion feature</a:t>
+              <a:rPr lang="en-US" sz="3600" dirty="0"/>
+              <a:t>Expand into other branches of physics</a:t>
             </a:r>
           </a:p>
           <a:p>
@@ -5835,8 +5814,8 @@
               <a:buChar char="•"/>
             </a:pPr>
             <a:r>
-              <a:rPr lang="en-US" sz="3200" dirty="0" smtClean="0"/>
-              <a:t>Add ability to save old calculator sessions</a:t>
+              <a:rPr lang="en-US" sz="3600" dirty="0"/>
+              <a:t>Add more extensive unit conversion feature</a:t>
             </a:r>
           </a:p>
           <a:p>
@@ -5845,14 +5824,142 @@
               <a:buChar char="•"/>
             </a:pPr>
             <a:r>
-              <a:rPr lang="en-US" sz="3200" dirty="0" smtClean="0"/>
+              <a:rPr lang="en-US" sz="3600" dirty="0"/>
+              <a:t>Add ability to save old calculator sessions</a:t>
+            </a:r>
+          </a:p>
+          <a:p>
+            <a:pPr>
+              <a:buFont typeface="Arial" pitchFamily="34" charset="0"/>
+              <a:buChar char="•"/>
+            </a:pPr>
+            <a:r>
+              <a:rPr lang="en-US" sz="3600" dirty="0"/>
               <a:t>Create web page / app for mobile use</a:t>
             </a:r>
-            <a:endParaRPr lang="en-US" sz="3200" dirty="0"/>
+          </a:p>
+          <a:p>
+            <a:pPr>
+              <a:buFont typeface="Arial" pitchFamily="34" charset="0"/>
+              <a:buChar char="•"/>
+            </a:pPr>
+            <a:r>
+              <a:rPr lang="en-US" sz="3600" dirty="0"/>
+              <a:t>Display equations used with variables entered</a:t>
+            </a:r>
+          </a:p>
+          <a:p>
+            <a:pPr>
+              <a:buFont typeface="Arial" pitchFamily="34" charset="0"/>
+              <a:buChar char="•"/>
+            </a:pPr>
+            <a:r>
+              <a:rPr lang="en-US" sz="3600" dirty="0"/>
+              <a:t>Add tabs for useful links to physics pages, etc.</a:t>
+            </a:r>
+          </a:p>
+          <a:p>
+            <a:pPr>
+              <a:buFont typeface="Arial" pitchFamily="34" charset="0"/>
+              <a:buChar char="•"/>
+            </a:pPr>
+            <a:r>
+              <a:rPr lang="en-US" sz="3600" dirty="0"/>
+              <a:t>Suggestions for missing variables, if it can’t solve with entries</a:t>
+            </a:r>
+          </a:p>
+          <a:p>
+            <a:pPr>
+              <a:buFont typeface="Arial" pitchFamily="34" charset="0"/>
+              <a:buChar char="•"/>
+            </a:pPr>
+            <a:r>
+              <a:rPr lang="en-US" sz="3600" dirty="0"/>
+              <a:t>Add “undo” or “back” button</a:t>
+            </a:r>
+          </a:p>
+          <a:p>
+            <a:pPr>
+              <a:buFont typeface="Arial" pitchFamily="34" charset="0"/>
+              <a:buChar char="•"/>
+            </a:pPr>
+            <a:r>
+              <a:rPr lang="en-US" sz="3600" dirty="0"/>
+              <a:t>Add sound and graphics</a:t>
+            </a:r>
+          </a:p>
+          <a:p>
+            <a:pPr>
+              <a:buFont typeface="Arial" pitchFamily="34" charset="0"/>
+              <a:buChar char="•"/>
+            </a:pPr>
+            <a:r>
+              <a:rPr lang="en-US" sz="3600" dirty="0"/>
+              <a:t>More ways to incorporate flames / explosions</a:t>
+            </a:r>
+          </a:p>
+        </p:txBody>
+      </p:sp>
+      <p:sp>
+        <p:nvSpPr>
+          <p:cNvPr id="3" name="Title 1">
+            <a:extLst>
+              <a:ext uri="{FF2B5EF4-FFF2-40B4-BE49-F238E27FC236}">
+                <a16:creationId xmlns:a16="http://schemas.microsoft.com/office/drawing/2014/main" id="{CB2297C8-9418-4112-B3A3-7F396AEF22C1}"/>
+              </a:ext>
+            </a:extLst>
+          </p:cNvPr>
+          <p:cNvSpPr txBox="1">
+            <a:spLocks/>
+          </p:cNvSpPr>
+          <p:nvPr/>
+        </p:nvSpPr>
+        <p:spPr>
+          <a:xfrm>
+            <a:off x="0" y="91244"/>
+            <a:ext cx="12192000" cy="642403"/>
+          </a:xfrm>
+          <a:prstGeom prst="rect">
+            <a:avLst/>
+          </a:prstGeom>
+        </p:spPr>
+        <p:txBody>
+          <a:bodyPr/>
+          <a:lstStyle>
+            <a:lvl1pPr algn="l" defTabSz="914400" rtl="0" eaLnBrk="1" latinLnBrk="0" hangingPunct="1">
+              <a:lnSpc>
+                <a:spcPct val="90000"/>
+              </a:lnSpc>
+              <a:spcBef>
+                <a:spcPct val="0"/>
+              </a:spcBef>
+              <a:buNone/>
+              <a:defRPr sz="3200" b="0" i="0" kern="1200" cap="all">
+                <a:solidFill>
+                  <a:schemeClr val="tx1"/>
+                </a:solidFill>
+                <a:effectLst/>
+                <a:latin typeface="+mj-lt"/>
+                <a:ea typeface="+mj-ea"/>
+                <a:cs typeface="+mj-cs"/>
+              </a:defRPr>
+            </a:lvl1pPr>
+          </a:lstStyle>
+          <a:p>
+            <a:pPr algn="ctr"/>
+            <a:r>
+              <a:rPr lang="en-US" dirty="0"/>
+              <a:t>Final Thoughts / Future Improvements</a:t>
+            </a:r>
           </a:p>
         </p:txBody>
       </p:sp>
     </p:spTree>
+    <p:extLst>
+      <p:ext uri="{BB962C8B-B14F-4D97-AF65-F5344CB8AC3E}">
+        <p14:creationId xmlns:p14="http://schemas.microsoft.com/office/powerpoint/2010/main" val="1267413076"/>
+      </p:ext>
+    </p:extLst>
   </p:cSld>
   <p:clrMapOvr>
     <a:masterClrMapping/>
@@ -6099,7 +6206,7 @@
   <a:extraClrSchemeLst/>
   <a:extLst>
     <a:ext uri="{05A4C25C-085E-4340-85A3-A5531E510DB2}">
-      <thm15:themeFamily xmlns="" xmlns:thm15="http://schemas.microsoft.com/office/thememl/2012/main" name="TF66921596_My invention presentation_AAS_v5" id="{87E5ADC5-22B1-48B6-A377-CC62C9F76903}" vid="{35D6D025-A430-4CAD-B81F-81678F6B39C9}"/>
+      <thm15:themeFamily xmlns:thm15="http://schemas.microsoft.com/office/thememl/2012/main" name="TF66921596_My invention presentation_AAS_v5" id="{87E5ADC5-22B1-48B6-A377-CC62C9F76903}" vid="{35D6D025-A430-4CAD-B81F-81678F6B39C9}"/>
     </a:ext>
   </a:extLst>
 </a:theme>
@@ -6394,7 +6501,7 @@
   <a:extraClrSchemeLst/>
   <a:extLst>
     <a:ext uri="{05A4C25C-085E-4340-85A3-A5531E510DB2}">
-      <thm15:themeFamily xmlns="" xmlns:thm15="http://schemas.microsoft.com/office/thememl/2012/main" name="Office Theme" id="{62F939B6-93AF-4DB8-9C6B-D6C7DFDC589F}" vid="{4A3C46E8-61CC-4603-A589-7422A47A8E4A}"/>
+      <thm15:themeFamily xmlns:thm15="http://schemas.microsoft.com/office/thememl/2012/main" name="Office Theme" id="{62F939B6-93AF-4DB8-9C6B-D6C7DFDC589F}" vid="{4A3C46E8-61CC-4603-A589-7422A47A8E4A}"/>
     </a:ext>
   </a:extLst>
 </a:theme>
@@ -6689,13 +6796,30 @@
   <a:extraClrSchemeLst/>
   <a:extLst>
     <a:ext uri="{05A4C25C-085E-4340-85A3-A5531E510DB2}">
-      <thm15:themeFamily xmlns="" xmlns:thm15="http://schemas.microsoft.com/office/thememl/2012/main" name="Office Theme" id="{62F939B6-93AF-4DB8-9C6B-D6C7DFDC589F}" vid="{4A3C46E8-61CC-4603-A589-7422A47A8E4A}"/>
+      <thm15:themeFamily xmlns:thm15="http://schemas.microsoft.com/office/thememl/2012/main" name="Office Theme" id="{62F939B6-93AF-4DB8-9C6B-D6C7DFDC589F}" vid="{4A3C46E8-61CC-4603-A589-7422A47A8E4A}"/>
     </a:ext>
   </a:extLst>
 </a:theme>
 </file>
 
 <file path=customXml/item1.xml><?xml version="1.0" encoding="utf-8"?>
+<p:properties xmlns:p="http://schemas.microsoft.com/office/2006/metadata/properties" xmlns:xsi="http://www.w3.org/2001/XMLSchema-instance" xmlns:pc="http://schemas.microsoft.com/office/infopath/2007/PartnerControls">
+  <documentManagement>
+    <MediaServiceKeyPoints xmlns="71af3243-3dd4-4a8d-8c0d-dd76da1f02a5" xsi:nil="true"/>
+  </documentManagement>
+</p:properties>
+</file>
+
+<file path=customXml/item2.xml><?xml version="1.0" encoding="utf-8"?>
+<?mso-contentType ?>
+<FormTemplates xmlns="http://schemas.microsoft.com/sharepoint/v3/contenttype/forms">
+  <Display>DocumentLibraryForm</Display>
+  <Edit>DocumentLibraryForm</Edit>
+  <New>DocumentLibraryForm</New>
+</FormTemplates>
+</file>
+
+<file path=customXml/item3.xml><?xml version="1.0" encoding="utf-8"?>
 <ct:contentTypeSchema xmlns:ct="http://schemas.microsoft.com/office/2006/metadata/contentType" xmlns:ma="http://schemas.microsoft.com/office/2006/metadata/properties/metaAttributes" ct:_="" ma:_="" ma:contentTypeName="Document" ma:contentTypeID="0x01010079F111ED35F8CC479449609E8A0923A6" ma:contentTypeVersion="11" ma:contentTypeDescription="Create a new document." ma:contentTypeScope="" ma:versionID="96291512c1ee715ab617f4c07df79fc1">
   <xsd:schema xmlns:xsd="http://www.w3.org/2001/XMLSchema" xmlns:xs="http://www.w3.org/2001/XMLSchema" xmlns:p="http://schemas.microsoft.com/office/2006/metadata/properties" xmlns:ns2="71af3243-3dd4-4a8d-8c0d-dd76da1f02a5" xmlns:ns3="16c05727-aa75-4e4a-9b5f-8a80a1165891" targetNamespace="http://schemas.microsoft.com/office/2006/metadata/properties" ma:root="true" ma:fieldsID="8256c27c40ca5c40ce1cf6c44f0205df" ns2:_="" ns3:_="">
     <xsd:import namespace="71af3243-3dd4-4a8d-8c0d-dd76da1f02a5"/>
@@ -6906,24 +7030,32 @@
 </ct:contentTypeSchema>
 </file>
 
-<file path=customXml/item2.xml><?xml version="1.0" encoding="utf-8"?>
-<?mso-contentType ?>
-<FormTemplates xmlns="http://schemas.microsoft.com/sharepoint/v3/contenttype/forms">
-  <Display>DocumentLibraryForm</Display>
-  <Edit>DocumentLibraryForm</Edit>
-  <New>DocumentLibraryForm</New>
-</FormTemplates>
+<file path=customXml/itemProps1.xml><?xml version="1.0" encoding="utf-8"?>
+<ds:datastoreItem xmlns:ds="http://schemas.openxmlformats.org/officeDocument/2006/customXml" ds:itemID="{FA1DB373-C1A1-4924-9AF2-F04368201509}">
+  <ds:schemaRefs>
+    <ds:schemaRef ds:uri="http://purl.org/dc/terms/"/>
+    <ds:schemaRef ds:uri="http://schemas.openxmlformats.org/package/2006/metadata/core-properties"/>
+    <ds:schemaRef ds:uri="16c05727-aa75-4e4a-9b5f-8a80a1165891"/>
+    <ds:schemaRef ds:uri="http://purl.org/dc/dcmitype/"/>
+    <ds:schemaRef ds:uri="http://schemas.microsoft.com/office/2006/documentManagement/types"/>
+    <ds:schemaRef ds:uri="http://purl.org/dc/elements/1.1/"/>
+    <ds:schemaRef ds:uri="http://schemas.microsoft.com/office/2006/metadata/properties"/>
+    <ds:schemaRef ds:uri="http://schemas.microsoft.com/office/infopath/2007/PartnerControls"/>
+    <ds:schemaRef ds:uri="71af3243-3dd4-4a8d-8c0d-dd76da1f02a5"/>
+    <ds:schemaRef ds:uri="http://www.w3.org/XML/1998/namespace"/>
+  </ds:schemaRefs>
+</ds:datastoreItem>
 </file>
 
-<file path=customXml/item3.xml><?xml version="1.0" encoding="utf-8"?>
-<p:properties xmlns:p="http://schemas.microsoft.com/office/2006/metadata/properties" xmlns:xsi="http://www.w3.org/2001/XMLSchema-instance" xmlns:pc="http://schemas.microsoft.com/office/infopath/2007/PartnerControls">
-  <documentManagement>
-    <MediaServiceKeyPoints xmlns="71af3243-3dd4-4a8d-8c0d-dd76da1f02a5" xsi:nil="true"/>
-  </documentManagement>
-</p:properties>
+<file path=customXml/itemProps2.xml><?xml version="1.0" encoding="utf-8"?>
+<ds:datastoreItem xmlns:ds="http://schemas.openxmlformats.org/officeDocument/2006/customXml" ds:itemID="{459C8665-7E41-4E8E-957E-307F6F826AF4}">
+  <ds:schemaRefs>
+    <ds:schemaRef ds:uri="http://schemas.microsoft.com/sharepoint/v3/contenttype/forms"/>
+  </ds:schemaRefs>
+</ds:datastoreItem>
 </file>
 
-<file path=customXml/itemProps1.xml><?xml version="1.0" encoding="utf-8"?>
+<file path=customXml/itemProps3.xml><?xml version="1.0" encoding="utf-8"?>
 <ds:datastoreItem xmlns:ds="http://schemas.openxmlformats.org/officeDocument/2006/customXml" ds:itemID="{CFA01955-FFEB-4169-B0BF-D790410D62EE}">
   <ds:schemaRefs>
     <ds:schemaRef ds:uri="http://schemas.microsoft.com/office/2006/metadata/contentType"/>
@@ -6940,29 +7072,4 @@
     <ds:schemaRef ds:uri="http://schemas.microsoft.com/internal/obd"/>
   </ds:schemaRefs>
 </ds:datastoreItem>
-</file>
-
-<file path=customXml/itemProps2.xml><?xml version="1.0" encoding="utf-8"?>
-<ds:datastoreItem xmlns:ds="http://schemas.openxmlformats.org/officeDocument/2006/customXml" ds:itemID="{459C8665-7E41-4E8E-957E-307F6F826AF4}">
-  <ds:schemaRefs>
-    <ds:schemaRef ds:uri="http://schemas.microsoft.com/sharepoint/v3/contenttype/forms"/>
-  </ds:schemaRefs>
-</ds:datastoreItem>
-</file>
-
-<file path=customXml/itemProps3.xml><?xml version="1.0" encoding="utf-8"?>
-<ds:datastoreItem xmlns:ds="http://schemas.openxmlformats.org/officeDocument/2006/customXml" ds:itemID="{FA1DB373-C1A1-4924-9AF2-F04368201509}">
-  <ds:schemaRefs>
-    <ds:schemaRef ds:uri="http://purl.org/dc/terms/"/>
-    <ds:schemaRef ds:uri="http://schemas.openxmlformats.org/package/2006/metadata/core-properties"/>
-    <ds:schemaRef ds:uri="16c05727-aa75-4e4a-9b5f-8a80a1165891"/>
-    <ds:schemaRef ds:uri="http://purl.org/dc/dcmitype/"/>
-    <ds:schemaRef ds:uri="http://schemas.microsoft.com/office/2006/documentManagement/types"/>
-    <ds:schemaRef ds:uri="http://purl.org/dc/elements/1.1/"/>
-    <ds:schemaRef ds:uri="http://schemas.microsoft.com/office/2006/metadata/properties"/>
-    <ds:schemaRef ds:uri="http://schemas.microsoft.com/office/infopath/2007/PartnerControls"/>
-    <ds:schemaRef ds:uri="71af3243-3dd4-4a8d-8c0d-dd76da1f02a5"/>
-    <ds:schemaRef ds:uri="http://www.w3.org/XML/1998/namespace"/>
-  </ds:schemaRefs>
-</ds:datastoreItem>
 </file>